--- a/Company Branding.pptx
+++ b/Company Branding.pptx
@@ -129,6 +129,14 @@
       </a:defRPr>
     </a:lvl9pPr>
   </p:defaultTextStyle>
+  <p:extLst>
+    <p:ext uri="{EFAFB233-063F-42B5-8137-9DF3F51BA10A}">
+      <p15:sldGuideLst xmlns:p15="http://schemas.microsoft.com/office/powerpoint/2012/main"/>
+    </p:ext>
+    <p:ext uri="{2D200454-40CA-4A62-9FC3-DE9A4176ACB9}">
+      <p15:notesGuideLst xmlns:p15="http://schemas.microsoft.com/office/powerpoint/2012/main"/>
+    </p:ext>
+  </p:extLst>
 </p:presentation>
 </file>
 
@@ -214,7 +222,7 @@
           <a:p>
             <a:fld id="{733B18D5-4891-D34C-B335-9D18B1424218}" type="datetimeFigureOut">
               <a:rPr lang="en-US" smtClean="0"/>
-              <a:t>1/3/23</a:t>
+              <a:t>1/5/23</a:t>
             </a:fld>
             <a:endParaRPr lang="en-US"/>
           </a:p>
@@ -800,7 +808,7 @@
           <a:p>
             <a:fld id="{23FEA57E-7C1A-457B-A4CD-5DCEB057B502}" type="datetime1">
               <a:rPr lang="en-US" smtClean="0"/>
-              <a:t>1/3/23</a:t>
+              <a:t>1/5/23</a:t>
             </a:fld>
             <a:endParaRPr lang="en-US" dirty="0"/>
           </a:p>
@@ -1003,7 +1011,7 @@
           <a:p>
             <a:fld id="{11789749-A4CD-447F-8298-2B7988C91CEA}" type="datetime1">
               <a:rPr lang="en-US" smtClean="0"/>
-              <a:t>1/3/23</a:t>
+              <a:t>1/5/23</a:t>
             </a:fld>
             <a:endParaRPr lang="en-US"/>
           </a:p>
@@ -1214,7 +1222,7 @@
           <a:p>
             <a:fld id="{BA0444D3-C0BA-4587-A56C-581AB9F841BE}" type="datetime1">
               <a:rPr lang="en-US" smtClean="0"/>
-              <a:t>1/3/23</a:t>
+              <a:t>1/5/23</a:t>
             </a:fld>
             <a:endParaRPr lang="en-US"/>
           </a:p>
@@ -1428,7 +1436,7 @@
           <a:p>
             <a:fld id="{201AF2CE-4F37-411C-A3EE-BBBE223265BF}" type="datetime1">
               <a:rPr lang="en-US" smtClean="0"/>
-              <a:t>1/3/23</a:t>
+              <a:t>1/5/23</a:t>
             </a:fld>
             <a:endParaRPr lang="en-US"/>
           </a:p>
@@ -1709,7 +1717,7 @@
           <a:p>
             <a:fld id="{C96083D4-708C-4BB5-B4FD-30CE9FA12FD5}" type="datetime1">
               <a:rPr lang="en-US" smtClean="0"/>
-              <a:t>1/3/23</a:t>
+              <a:t>1/5/23</a:t>
             </a:fld>
             <a:endParaRPr lang="en-US"/>
           </a:p>
@@ -1989,7 +1997,7 @@
           <a:p>
             <a:fld id="{D0D239B2-65BC-4C2A-A62B-3EABFE9590E4}" type="datetime1">
               <a:rPr lang="en-US" smtClean="0"/>
-              <a:t>1/3/23</a:t>
+              <a:t>1/5/23</a:t>
             </a:fld>
             <a:endParaRPr lang="en-US"/>
           </a:p>
@@ -2411,7 +2419,7 @@
           <a:p>
             <a:fld id="{85E05F5A-E4A3-476F-A89E-C2B73F2431E4}" type="datetime1">
               <a:rPr lang="en-US" smtClean="0"/>
-              <a:t>1/3/23</a:t>
+              <a:t>1/5/23</a:t>
             </a:fld>
             <a:endParaRPr lang="en-US"/>
           </a:p>
@@ -2556,7 +2564,7 @@
           <a:p>
             <a:fld id="{E3761515-4A26-4F31-9F61-5A10B1FABBFC}" type="datetime1">
               <a:rPr lang="en-US" smtClean="0"/>
-              <a:t>1/3/23</a:t>
+              <a:t>1/5/23</a:t>
             </a:fld>
             <a:endParaRPr lang="en-US"/>
           </a:p>
@@ -2672,7 +2680,7 @@
           <a:p>
             <a:fld id="{4A75DC65-7D1F-4BAB-9695-F7E734143E14}" type="datetime1">
               <a:rPr lang="en-US" smtClean="0"/>
-              <a:t>1/3/23</a:t>
+              <a:t>1/5/23</a:t>
             </a:fld>
             <a:endParaRPr lang="en-US"/>
           </a:p>
@@ -2986,7 +2994,7 @@
           <a:p>
             <a:fld id="{7E624077-BD55-4036-8E92-6558FDF3B653}" type="datetime1">
               <a:rPr lang="en-US" smtClean="0"/>
-              <a:t>1/3/23</a:t>
+              <a:t>1/5/23</a:t>
             </a:fld>
             <a:endParaRPr lang="en-US"/>
           </a:p>
@@ -3280,7 +3288,7 @@
           <a:p>
             <a:fld id="{804225F2-7107-4609-BCC2-77C63064A5E8}" type="datetime1">
               <a:rPr lang="en-US" smtClean="0"/>
-              <a:t>1/3/23</a:t>
+              <a:t>1/5/23</a:t>
             </a:fld>
             <a:endParaRPr lang="en-US"/>
           </a:p>
@@ -3528,7 +3536,7 @@
           <a:p>
             <a:fld id="{D3FE42E8-8B57-452D-A122-4DCE9AC771EF}" type="datetime1">
               <a:rPr lang="en-US" smtClean="0"/>
-              <a:t>1/3/23</a:t>
+              <a:t>1/5/23</a:t>
             </a:fld>
             <a:endParaRPr lang="en-US"/>
           </a:p>
@@ -5455,6 +5463,716 @@
               <a:extLst>
                 <a:ext uri="{FF2B5EF4-FFF2-40B4-BE49-F238E27FC236}">
                   <a16:creationId xmlns:a16="http://schemas.microsoft.com/office/drawing/2014/main" id="{A9A803BB-06B2-FF8C-1130-BCF0CB59F4C5}"/>
+                </a:ext>
+              </a:extLst>
+            </p:cNvPr>
+            <p:cNvSpPr/>
+            <p:nvPr/>
+          </p:nvSpPr>
+          <p:spPr>
+            <a:xfrm>
+              <a:off x="2865108" y="3438426"/>
+              <a:ext cx="240908" cy="240908"/>
+            </a:xfrm>
+            <a:prstGeom prst="ellipse">
+              <a:avLst/>
+            </a:prstGeom>
+            <a:solidFill>
+              <a:srgbClr val="D83B02"/>
+            </a:solidFill>
+            <a:ln>
+              <a:noFill/>
+            </a:ln>
+          </p:spPr>
+          <p:style>
+            <a:lnRef idx="2">
+              <a:schemeClr val="accent1">
+                <a:shade val="50000"/>
+              </a:schemeClr>
+            </a:lnRef>
+            <a:fillRef idx="1">
+              <a:schemeClr val="accent1"/>
+            </a:fillRef>
+            <a:effectRef idx="0">
+              <a:schemeClr val="accent1"/>
+            </a:effectRef>
+            <a:fontRef idx="minor">
+              <a:schemeClr val="lt1"/>
+            </a:fontRef>
+          </p:style>
+          <p:txBody>
+            <a:bodyPr rtlCol="0" anchor="ctr"/>
+            <a:lstStyle/>
+            <a:p>
+              <a:pPr algn="ctr"/>
+              <a:endParaRPr lang="en-US"/>
+            </a:p>
+          </p:txBody>
+        </p:sp>
+      </p:grpSp>
+      <p:sp>
+        <p:nvSpPr>
+          <p:cNvPr id="2" name="Rectangle 1">
+            <a:extLst>
+              <a:ext uri="{FF2B5EF4-FFF2-40B4-BE49-F238E27FC236}">
+                <a16:creationId xmlns:a16="http://schemas.microsoft.com/office/drawing/2014/main" id="{B62A7942-AE20-5F5A-AF07-9865A589F050}"/>
+              </a:ext>
+            </a:extLst>
+          </p:cNvPr>
+          <p:cNvSpPr/>
+          <p:nvPr/>
+        </p:nvSpPr>
+        <p:spPr>
+          <a:xfrm>
+            <a:off x="4917663" y="5084899"/>
+            <a:ext cx="2540000" cy="546100"/>
+          </a:xfrm>
+          <a:prstGeom prst="rect">
+            <a:avLst/>
+          </a:prstGeom>
+          <a:noFill/>
+          <a:ln>
+            <a:noFill/>
+          </a:ln>
+        </p:spPr>
+        <p:style>
+          <a:lnRef idx="2">
+            <a:schemeClr val="accent1">
+              <a:shade val="50000"/>
+            </a:schemeClr>
+          </a:lnRef>
+          <a:fillRef idx="1">
+            <a:schemeClr val="accent1"/>
+          </a:fillRef>
+          <a:effectRef idx="0">
+            <a:schemeClr val="accent1"/>
+          </a:effectRef>
+          <a:fontRef idx="minor">
+            <a:schemeClr val="lt1"/>
+          </a:fontRef>
+        </p:style>
+        <p:txBody>
+          <a:bodyPr rtlCol="0" anchor="ctr"/>
+          <a:lstStyle/>
+          <a:p>
+            <a:pPr algn="ctr"/>
+            <a:endParaRPr lang="en-US"/>
+          </a:p>
+        </p:txBody>
+      </p:sp>
+      <p:sp>
+        <p:nvSpPr>
+          <p:cNvPr id="3" name="TextBox 2">
+            <a:extLst>
+              <a:ext uri="{FF2B5EF4-FFF2-40B4-BE49-F238E27FC236}">
+                <a16:creationId xmlns:a16="http://schemas.microsoft.com/office/drawing/2014/main" id="{76247E32-314C-3B3E-CA34-787FFBCA9F71}"/>
+              </a:ext>
+            </a:extLst>
+          </p:cNvPr>
+          <p:cNvSpPr txBox="1"/>
+          <p:nvPr/>
+        </p:nvSpPr>
+        <p:spPr>
+          <a:xfrm>
+            <a:off x="5337573" y="5157807"/>
+            <a:ext cx="1824814" cy="430887"/>
+          </a:xfrm>
+          <a:prstGeom prst="rect">
+            <a:avLst/>
+          </a:prstGeom>
+          <a:noFill/>
+        </p:spPr>
+        <p:txBody>
+          <a:bodyPr wrap="square" rtlCol="0">
+            <a:spAutoFit/>
+          </a:bodyPr>
+          <a:lstStyle/>
+          <a:p>
+            <a:r>
+              <a:rPr lang="en-US" sz="2200" dirty="0">
+                <a:solidFill>
+                  <a:srgbClr val="D83B01"/>
+                </a:solidFill>
+                <a:latin typeface="Segoe Print" panose="02000800000000000000" pitchFamily="2" charset="0"/>
+                <a:ea typeface="Brush Script MT" panose="03060802040406070304" pitchFamily="66" charset="-122"/>
+                <a:cs typeface="Brush Script MT" panose="03060802040406070304" pitchFamily="66" charset="-122"/>
+              </a:rPr>
+              <a:t>C</a:t>
+            </a:r>
+            <a:r>
+              <a:rPr lang="en-US" dirty="0">
+                <a:latin typeface="Segoe Print" panose="02000800000000000000" pitchFamily="2" charset="0"/>
+                <a:ea typeface="Brush Script MT" panose="03060802040406070304" pitchFamily="66" charset="-122"/>
+                <a:cs typeface="Brush Script MT" panose="03060802040406070304" pitchFamily="66" charset="-122"/>
+              </a:rPr>
+              <a:t>ontoso </a:t>
+            </a:r>
+            <a:r>
+              <a:rPr lang="en-US" dirty="0">
+                <a:solidFill>
+                  <a:srgbClr val="1978D5"/>
+                </a:solidFill>
+                <a:latin typeface="Segoe Print" panose="02000800000000000000" pitchFamily="2" charset="0"/>
+                <a:ea typeface="Brush Script MT" panose="03060802040406070304" pitchFamily="66" charset="-122"/>
+                <a:cs typeface="Brush Script MT" panose="03060802040406070304" pitchFamily="66" charset="-122"/>
+              </a:rPr>
+              <a:t>p</a:t>
+            </a:r>
+            <a:r>
+              <a:rPr lang="en-US" dirty="0">
+                <a:latin typeface="Segoe Print" panose="02000800000000000000" pitchFamily="2" charset="0"/>
+                <a:ea typeface="Brush Script MT" panose="03060802040406070304" pitchFamily="66" charset="-122"/>
+                <a:cs typeface="Brush Script MT" panose="03060802040406070304" pitchFamily="66" charset="-122"/>
+              </a:rPr>
+              <a:t>lay</a:t>
+            </a:r>
+          </a:p>
+        </p:txBody>
+      </p:sp>
+      <p:grpSp>
+        <p:nvGrpSpPr>
+          <p:cNvPr id="4" name="Group 3">
+            <a:extLst>
+              <a:ext uri="{FF2B5EF4-FFF2-40B4-BE49-F238E27FC236}">
+                <a16:creationId xmlns:a16="http://schemas.microsoft.com/office/drawing/2014/main" id="{0616ACD3-906F-0260-E69D-04BE6AAB8E87}"/>
+              </a:ext>
+            </a:extLst>
+          </p:cNvPr>
+          <p:cNvGrpSpPr/>
+          <p:nvPr/>
+        </p:nvGrpSpPr>
+        <p:grpSpPr>
+          <a:xfrm>
+            <a:off x="5009325" y="5202359"/>
+            <a:ext cx="335730" cy="341782"/>
+            <a:chOff x="2865108" y="3438425"/>
+            <a:chExt cx="501246" cy="510282"/>
+          </a:xfrm>
+        </p:grpSpPr>
+        <p:sp>
+          <p:nvSpPr>
+            <p:cNvPr id="5" name="Oval 4">
+              <a:extLst>
+                <a:ext uri="{FF2B5EF4-FFF2-40B4-BE49-F238E27FC236}">
+                  <a16:creationId xmlns:a16="http://schemas.microsoft.com/office/drawing/2014/main" id="{FD518426-F169-0C36-EB19-CE85CE0EB370}"/>
+                </a:ext>
+              </a:extLst>
+            </p:cNvPr>
+            <p:cNvSpPr/>
+            <p:nvPr/>
+          </p:nvSpPr>
+          <p:spPr>
+            <a:xfrm>
+              <a:off x="3125446" y="3707798"/>
+              <a:ext cx="240908" cy="240907"/>
+            </a:xfrm>
+            <a:prstGeom prst="ellipse">
+              <a:avLst/>
+            </a:prstGeom>
+            <a:solidFill>
+              <a:srgbClr val="FBB900"/>
+            </a:solidFill>
+            <a:ln>
+              <a:solidFill>
+                <a:schemeClr val="bg1">
+                  <a:lumMod val="50000"/>
+                </a:schemeClr>
+              </a:solidFill>
+            </a:ln>
+          </p:spPr>
+          <p:style>
+            <a:lnRef idx="2">
+              <a:schemeClr val="accent1">
+                <a:shade val="50000"/>
+              </a:schemeClr>
+            </a:lnRef>
+            <a:fillRef idx="1">
+              <a:schemeClr val="accent1"/>
+            </a:fillRef>
+            <a:effectRef idx="0">
+              <a:schemeClr val="accent1"/>
+            </a:effectRef>
+            <a:fontRef idx="minor">
+              <a:schemeClr val="lt1"/>
+            </a:fontRef>
+          </p:style>
+          <p:txBody>
+            <a:bodyPr rtlCol="0" anchor="ctr"/>
+            <a:lstStyle/>
+            <a:p>
+              <a:pPr algn="ctr"/>
+              <a:endParaRPr lang="en-US"/>
+            </a:p>
+          </p:txBody>
+        </p:sp>
+        <p:sp>
+          <p:nvSpPr>
+            <p:cNvPr id="7" name="Oval 6">
+              <a:extLst>
+                <a:ext uri="{FF2B5EF4-FFF2-40B4-BE49-F238E27FC236}">
+                  <a16:creationId xmlns:a16="http://schemas.microsoft.com/office/drawing/2014/main" id="{AA8DDB55-C5D8-FF4C-0147-26D7836B16BE}"/>
+                </a:ext>
+              </a:extLst>
+            </p:cNvPr>
+            <p:cNvSpPr/>
+            <p:nvPr/>
+          </p:nvSpPr>
+          <p:spPr>
+            <a:xfrm>
+              <a:off x="2865108" y="3707799"/>
+              <a:ext cx="240908" cy="240908"/>
+            </a:xfrm>
+            <a:prstGeom prst="ellipse">
+              <a:avLst/>
+            </a:prstGeom>
+            <a:solidFill>
+              <a:srgbClr val="1978D5"/>
+            </a:solidFill>
+            <a:ln>
+              <a:noFill/>
+            </a:ln>
+          </p:spPr>
+          <p:style>
+            <a:lnRef idx="2">
+              <a:schemeClr val="accent1">
+                <a:shade val="50000"/>
+              </a:schemeClr>
+            </a:lnRef>
+            <a:fillRef idx="1">
+              <a:schemeClr val="accent1"/>
+            </a:fillRef>
+            <a:effectRef idx="0">
+              <a:schemeClr val="accent1"/>
+            </a:effectRef>
+            <a:fontRef idx="minor">
+              <a:schemeClr val="lt1"/>
+            </a:fontRef>
+          </p:style>
+          <p:txBody>
+            <a:bodyPr rtlCol="0" anchor="ctr"/>
+            <a:lstStyle/>
+            <a:p>
+              <a:pPr algn="ctr"/>
+              <a:endParaRPr lang="en-US"/>
+            </a:p>
+          </p:txBody>
+        </p:sp>
+        <p:sp>
+          <p:nvSpPr>
+            <p:cNvPr id="10" name="Oval 9">
+              <a:extLst>
+                <a:ext uri="{FF2B5EF4-FFF2-40B4-BE49-F238E27FC236}">
+                  <a16:creationId xmlns:a16="http://schemas.microsoft.com/office/drawing/2014/main" id="{0092E643-852E-0567-2F56-D74EC9708828}"/>
+                </a:ext>
+              </a:extLst>
+            </p:cNvPr>
+            <p:cNvSpPr/>
+            <p:nvPr/>
+          </p:nvSpPr>
+          <p:spPr>
+            <a:xfrm>
+              <a:off x="3125444" y="3438425"/>
+              <a:ext cx="240908" cy="240909"/>
+            </a:xfrm>
+            <a:prstGeom prst="ellipse">
+              <a:avLst/>
+            </a:prstGeom>
+            <a:solidFill>
+              <a:srgbClr val="277C0F"/>
+            </a:solidFill>
+            <a:ln>
+              <a:noFill/>
+            </a:ln>
+          </p:spPr>
+          <p:style>
+            <a:lnRef idx="2">
+              <a:schemeClr val="accent1">
+                <a:shade val="50000"/>
+              </a:schemeClr>
+            </a:lnRef>
+            <a:fillRef idx="1">
+              <a:schemeClr val="accent1"/>
+            </a:fillRef>
+            <a:effectRef idx="0">
+              <a:schemeClr val="accent1"/>
+            </a:effectRef>
+            <a:fontRef idx="minor">
+              <a:schemeClr val="lt1"/>
+            </a:fontRef>
+          </p:style>
+          <p:txBody>
+            <a:bodyPr rtlCol="0" anchor="ctr"/>
+            <a:lstStyle/>
+            <a:p>
+              <a:pPr algn="ctr"/>
+              <a:endParaRPr lang="en-US"/>
+            </a:p>
+          </p:txBody>
+        </p:sp>
+        <p:sp>
+          <p:nvSpPr>
+            <p:cNvPr id="11" name="Oval 10">
+              <a:extLst>
+                <a:ext uri="{FF2B5EF4-FFF2-40B4-BE49-F238E27FC236}">
+                  <a16:creationId xmlns:a16="http://schemas.microsoft.com/office/drawing/2014/main" id="{BDE11FC3-90E2-60C3-80E9-E1D3766B3B58}"/>
+                </a:ext>
+              </a:extLst>
+            </p:cNvPr>
+            <p:cNvSpPr/>
+            <p:nvPr/>
+          </p:nvSpPr>
+          <p:spPr>
+            <a:xfrm>
+              <a:off x="2865108" y="3438426"/>
+              <a:ext cx="240908" cy="240908"/>
+            </a:xfrm>
+            <a:prstGeom prst="ellipse">
+              <a:avLst/>
+            </a:prstGeom>
+            <a:solidFill>
+              <a:srgbClr val="D83B02"/>
+            </a:solidFill>
+            <a:ln>
+              <a:noFill/>
+            </a:ln>
+          </p:spPr>
+          <p:style>
+            <a:lnRef idx="2">
+              <a:schemeClr val="accent1">
+                <a:shade val="50000"/>
+              </a:schemeClr>
+            </a:lnRef>
+            <a:fillRef idx="1">
+              <a:schemeClr val="accent1"/>
+            </a:fillRef>
+            <a:effectRef idx="0">
+              <a:schemeClr val="accent1"/>
+            </a:effectRef>
+            <a:fontRef idx="minor">
+              <a:schemeClr val="lt1"/>
+            </a:fontRef>
+          </p:style>
+          <p:txBody>
+            <a:bodyPr rtlCol="0" anchor="ctr"/>
+            <a:lstStyle/>
+            <a:p>
+              <a:pPr algn="ctr"/>
+              <a:endParaRPr lang="en-US"/>
+            </a:p>
+          </p:txBody>
+        </p:sp>
+      </p:grpSp>
+      <p:sp>
+        <p:nvSpPr>
+          <p:cNvPr id="15" name="Rectangle 14">
+            <a:extLst>
+              <a:ext uri="{FF2B5EF4-FFF2-40B4-BE49-F238E27FC236}">
+                <a16:creationId xmlns:a16="http://schemas.microsoft.com/office/drawing/2014/main" id="{FF1FFCC9-8AE2-084B-F41C-4B686138E921}"/>
+              </a:ext>
+            </a:extLst>
+          </p:cNvPr>
+          <p:cNvSpPr/>
+          <p:nvPr/>
+        </p:nvSpPr>
+        <p:spPr>
+          <a:xfrm>
+            <a:off x="4826000" y="4086753"/>
+            <a:ext cx="2540000" cy="546100"/>
+          </a:xfrm>
+          <a:prstGeom prst="rect">
+            <a:avLst/>
+          </a:prstGeom>
+          <a:noFill/>
+          <a:ln>
+            <a:noFill/>
+          </a:ln>
+        </p:spPr>
+        <p:style>
+          <a:lnRef idx="2">
+            <a:schemeClr val="accent1">
+              <a:shade val="50000"/>
+            </a:schemeClr>
+          </a:lnRef>
+          <a:fillRef idx="1">
+            <a:schemeClr val="accent1"/>
+          </a:fillRef>
+          <a:effectRef idx="0">
+            <a:schemeClr val="accent1"/>
+          </a:effectRef>
+          <a:fontRef idx="minor">
+            <a:schemeClr val="lt1"/>
+          </a:fontRef>
+        </p:style>
+        <p:txBody>
+          <a:bodyPr rtlCol="0" anchor="ctr"/>
+          <a:lstStyle/>
+          <a:p>
+            <a:pPr algn="ctr"/>
+            <a:endParaRPr lang="en-US"/>
+          </a:p>
+        </p:txBody>
+      </p:sp>
+      <p:sp>
+        <p:nvSpPr>
+          <p:cNvPr id="18" name="TextBox 17">
+            <a:extLst>
+              <a:ext uri="{FF2B5EF4-FFF2-40B4-BE49-F238E27FC236}">
+                <a16:creationId xmlns:a16="http://schemas.microsoft.com/office/drawing/2014/main" id="{168ADE27-7397-BACA-54FB-29D31BB4002B}"/>
+              </a:ext>
+            </a:extLst>
+          </p:cNvPr>
+          <p:cNvSpPr txBox="1"/>
+          <p:nvPr/>
+        </p:nvSpPr>
+        <p:spPr>
+          <a:xfrm>
+            <a:off x="5245910" y="4159661"/>
+            <a:ext cx="2035248" cy="461665"/>
+          </a:xfrm>
+          <a:prstGeom prst="rect">
+            <a:avLst/>
+          </a:prstGeom>
+          <a:noFill/>
+        </p:spPr>
+        <p:txBody>
+          <a:bodyPr wrap="square" rtlCol="0">
+            <a:spAutoFit/>
+          </a:bodyPr>
+          <a:lstStyle/>
+          <a:p>
+            <a:r>
+              <a:rPr lang="en-US" sz="2400" dirty="0">
+                <a:solidFill>
+                  <a:srgbClr val="D83B01"/>
+                </a:solidFill>
+                <a:latin typeface="Segoe Print" panose="02000800000000000000" pitchFamily="2" charset="0"/>
+                <a:ea typeface="Brush Script MT" panose="03060802040406070304" pitchFamily="66" charset="-122"/>
+                <a:cs typeface="Broadway" panose="020F0502020204030204" pitchFamily="34" charset="0"/>
+              </a:rPr>
+              <a:t>C</a:t>
+            </a:r>
+            <a:r>
+              <a:rPr lang="en-US" sz="2000" dirty="0">
+                <a:solidFill>
+                  <a:schemeClr val="bg1">
+                    <a:lumMod val="50000"/>
+                  </a:schemeClr>
+                </a:solidFill>
+                <a:latin typeface="Segoe Print" panose="02000800000000000000" pitchFamily="2" charset="0"/>
+                <a:ea typeface="Brush Script MT" panose="03060802040406070304" pitchFamily="66" charset="-122"/>
+                <a:cs typeface="Broadway" panose="020F0502020204030204" pitchFamily="34" charset="0"/>
+              </a:rPr>
+              <a:t>ontoso </a:t>
+            </a:r>
+            <a:r>
+              <a:rPr lang="en-US" sz="2000" dirty="0">
+                <a:solidFill>
+                  <a:srgbClr val="1978D5"/>
+                </a:solidFill>
+                <a:latin typeface="Segoe Print" panose="02000800000000000000" pitchFamily="2" charset="0"/>
+                <a:ea typeface="Brush Script MT" panose="03060802040406070304" pitchFamily="66" charset="-122"/>
+                <a:cs typeface="Broadway" panose="020F0502020204030204" pitchFamily="34" charset="0"/>
+              </a:rPr>
+              <a:t>p</a:t>
+            </a:r>
+            <a:r>
+              <a:rPr lang="en-US" sz="2000" dirty="0">
+                <a:solidFill>
+                  <a:schemeClr val="bg1">
+                    <a:lumMod val="50000"/>
+                  </a:schemeClr>
+                </a:solidFill>
+                <a:latin typeface="Segoe Print" panose="02000800000000000000" pitchFamily="2" charset="0"/>
+                <a:ea typeface="Brush Script MT" panose="03060802040406070304" pitchFamily="66" charset="-122"/>
+                <a:cs typeface="Broadway" panose="020F0502020204030204" pitchFamily="34" charset="0"/>
+              </a:rPr>
+              <a:t>lay</a:t>
+            </a:r>
+          </a:p>
+        </p:txBody>
+      </p:sp>
+      <p:grpSp>
+        <p:nvGrpSpPr>
+          <p:cNvPr id="19" name="Group 18">
+            <a:extLst>
+              <a:ext uri="{FF2B5EF4-FFF2-40B4-BE49-F238E27FC236}">
+                <a16:creationId xmlns:a16="http://schemas.microsoft.com/office/drawing/2014/main" id="{C52F32BD-B372-EBE6-AB73-45C99F04932E}"/>
+              </a:ext>
+            </a:extLst>
+          </p:cNvPr>
+          <p:cNvGrpSpPr/>
+          <p:nvPr/>
+        </p:nvGrpSpPr>
+        <p:grpSpPr>
+          <a:xfrm>
+            <a:off x="4917662" y="4204213"/>
+            <a:ext cx="335730" cy="341782"/>
+            <a:chOff x="2865108" y="3438425"/>
+            <a:chExt cx="501246" cy="510282"/>
+          </a:xfrm>
+        </p:grpSpPr>
+        <p:sp>
+          <p:nvSpPr>
+            <p:cNvPr id="20" name="Oval 19">
+              <a:extLst>
+                <a:ext uri="{FF2B5EF4-FFF2-40B4-BE49-F238E27FC236}">
+                  <a16:creationId xmlns:a16="http://schemas.microsoft.com/office/drawing/2014/main" id="{B92B62E1-A97C-C3E9-5758-AE18CB5CAD44}"/>
+                </a:ext>
+              </a:extLst>
+            </p:cNvPr>
+            <p:cNvSpPr/>
+            <p:nvPr/>
+          </p:nvSpPr>
+          <p:spPr>
+            <a:xfrm>
+              <a:off x="3125446" y="3707798"/>
+              <a:ext cx="240908" cy="240907"/>
+            </a:xfrm>
+            <a:prstGeom prst="ellipse">
+              <a:avLst/>
+            </a:prstGeom>
+            <a:solidFill>
+              <a:srgbClr val="FBB900"/>
+            </a:solidFill>
+            <a:ln>
+              <a:noFill/>
+            </a:ln>
+          </p:spPr>
+          <p:style>
+            <a:lnRef idx="2">
+              <a:schemeClr val="accent1">
+                <a:shade val="50000"/>
+              </a:schemeClr>
+            </a:lnRef>
+            <a:fillRef idx="1">
+              <a:schemeClr val="accent1"/>
+            </a:fillRef>
+            <a:effectRef idx="0">
+              <a:schemeClr val="accent1"/>
+            </a:effectRef>
+            <a:fontRef idx="minor">
+              <a:schemeClr val="lt1"/>
+            </a:fontRef>
+          </p:style>
+          <p:txBody>
+            <a:bodyPr rtlCol="0" anchor="ctr"/>
+            <a:lstStyle/>
+            <a:p>
+              <a:pPr algn="ctr"/>
+              <a:endParaRPr lang="en-US"/>
+            </a:p>
+          </p:txBody>
+        </p:sp>
+        <p:sp>
+          <p:nvSpPr>
+            <p:cNvPr id="21" name="Oval 20">
+              <a:extLst>
+                <a:ext uri="{FF2B5EF4-FFF2-40B4-BE49-F238E27FC236}">
+                  <a16:creationId xmlns:a16="http://schemas.microsoft.com/office/drawing/2014/main" id="{5776869C-1C90-A7CA-EFB8-A3B7908F7F75}"/>
+                </a:ext>
+              </a:extLst>
+            </p:cNvPr>
+            <p:cNvSpPr/>
+            <p:nvPr/>
+          </p:nvSpPr>
+          <p:spPr>
+            <a:xfrm>
+              <a:off x="2865108" y="3707799"/>
+              <a:ext cx="240908" cy="240908"/>
+            </a:xfrm>
+            <a:prstGeom prst="ellipse">
+              <a:avLst/>
+            </a:prstGeom>
+            <a:solidFill>
+              <a:srgbClr val="1978D5"/>
+            </a:solidFill>
+            <a:ln>
+              <a:noFill/>
+            </a:ln>
+          </p:spPr>
+          <p:style>
+            <a:lnRef idx="2">
+              <a:schemeClr val="accent1">
+                <a:shade val="50000"/>
+              </a:schemeClr>
+            </a:lnRef>
+            <a:fillRef idx="1">
+              <a:schemeClr val="accent1"/>
+            </a:fillRef>
+            <a:effectRef idx="0">
+              <a:schemeClr val="accent1"/>
+            </a:effectRef>
+            <a:fontRef idx="minor">
+              <a:schemeClr val="lt1"/>
+            </a:fontRef>
+          </p:style>
+          <p:txBody>
+            <a:bodyPr rtlCol="0" anchor="ctr"/>
+            <a:lstStyle/>
+            <a:p>
+              <a:pPr algn="ctr"/>
+              <a:endParaRPr lang="en-US"/>
+            </a:p>
+          </p:txBody>
+        </p:sp>
+        <p:sp>
+          <p:nvSpPr>
+            <p:cNvPr id="22" name="Oval 21">
+              <a:extLst>
+                <a:ext uri="{FF2B5EF4-FFF2-40B4-BE49-F238E27FC236}">
+                  <a16:creationId xmlns:a16="http://schemas.microsoft.com/office/drawing/2014/main" id="{A146310C-3682-C063-6DAE-A9697C2D6074}"/>
+                </a:ext>
+              </a:extLst>
+            </p:cNvPr>
+            <p:cNvSpPr/>
+            <p:nvPr/>
+          </p:nvSpPr>
+          <p:spPr>
+            <a:xfrm>
+              <a:off x="3125444" y="3438425"/>
+              <a:ext cx="240908" cy="240909"/>
+            </a:xfrm>
+            <a:prstGeom prst="ellipse">
+              <a:avLst/>
+            </a:prstGeom>
+            <a:solidFill>
+              <a:srgbClr val="277C0F"/>
+            </a:solidFill>
+            <a:ln>
+              <a:noFill/>
+            </a:ln>
+          </p:spPr>
+          <p:style>
+            <a:lnRef idx="2">
+              <a:schemeClr val="accent1">
+                <a:shade val="50000"/>
+              </a:schemeClr>
+            </a:lnRef>
+            <a:fillRef idx="1">
+              <a:schemeClr val="accent1"/>
+            </a:fillRef>
+            <a:effectRef idx="0">
+              <a:schemeClr val="accent1"/>
+            </a:effectRef>
+            <a:fontRef idx="minor">
+              <a:schemeClr val="lt1"/>
+            </a:fontRef>
+          </p:style>
+          <p:txBody>
+            <a:bodyPr rtlCol="0" anchor="ctr"/>
+            <a:lstStyle/>
+            <a:p>
+              <a:pPr algn="ctr"/>
+              <a:endParaRPr lang="en-US"/>
+            </a:p>
+          </p:txBody>
+        </p:sp>
+        <p:sp>
+          <p:nvSpPr>
+            <p:cNvPr id="23" name="Oval 22">
+              <a:extLst>
+                <a:ext uri="{FF2B5EF4-FFF2-40B4-BE49-F238E27FC236}">
+                  <a16:creationId xmlns:a16="http://schemas.microsoft.com/office/drawing/2014/main" id="{1DF0637F-0281-ACB7-6B52-C30BF2B57CF5}"/>
                 </a:ext>
               </a:extLst>
             </p:cNvPr>
